--- a/doc/workshop/1_SimpleCase.pptx
+++ b/doc/workshop/1_SimpleCase.pptx
@@ -9030,6 +9030,9 @@
             </a:r>
           </a:p>
           <a:p>
+            <a:endParaRPr lang="en-US" dirty="0"/>
+          </a:p>
+          <a:p>
             <a:r>
               <a:rPr lang="en-US" dirty="0"/>
               <a:t>Exercises, follow-</a:t>
@@ -9041,15 +9044,20 @@
             <a:endParaRPr lang="en-US" dirty="0"/>
           </a:p>
           <a:p>
+            <a:endParaRPr lang="en-US" dirty="0"/>
+          </a:p>
+          <a:p>
             <a:r>
               <a:rPr lang="en-US" dirty="0"/>
               <a:t>Examples found in HERON/tests/workshop/</a:t>
             </a:r>
-            <a:r>
-              <a:rPr lang="en-US" dirty="0" err="1"/>
-              <a:t>htse</a:t>
-            </a:r>
-            <a:endParaRPr lang="en-US" dirty="0"/>
+          </a:p>
+          <a:p>
+            <a:pPr lvl="1"/>
+            <a:r>
+              <a:rPr lang="en-US" dirty="0"/>
+              <a:t>This case can be found in workshop/simple/</a:t>
+            </a:r>
           </a:p>
           <a:p>
             <a:endParaRPr lang="en-US" dirty="0"/>
@@ -17446,6 +17454,12 @@
 </file>
 
 <file path=customXml/item2.xml><?xml version="1.0" encoding="utf-8"?>
+<p:properties xmlns:p="http://schemas.microsoft.com/office/2006/metadata/properties" xmlns:xsi="http://www.w3.org/2001/XMLSchema-instance" xmlns:pc="http://schemas.microsoft.com/office/infopath/2007/PartnerControls">
+  <documentManagement/>
+</p:properties>
+</file>
+
+<file path=customXml/item3.xml><?xml version="1.0" encoding="utf-8"?>
 <ct:contentTypeSchema xmlns:ct="http://schemas.microsoft.com/office/2006/metadata/contentType" xmlns:ma="http://schemas.microsoft.com/office/2006/metadata/properties/metaAttributes" ct:_="" ma:_="" ma:contentTypeName="Document" ma:contentTypeID="0x0101004404969E66C47D43B72D976B0F2EDCB6" ma:contentTypeVersion="6" ma:contentTypeDescription="Create a new document." ma:contentTypeScope="" ma:versionID="13e6ed2efaa4ce3fbe5a4f36be18c7a4">
   <xsd:schema xmlns:xsd="http://www.w3.org/2001/XMLSchema" xmlns:xs="http://www.w3.org/2001/XMLSchema" xmlns:p="http://schemas.microsoft.com/office/2006/metadata/properties" xmlns:ns2="e6cba3a1-1013-472a-b3ba-ce16017401c5" targetNamespace="http://schemas.microsoft.com/office/2006/metadata/properties" ma:root="true" ma:fieldsID="d42b92556487916bf4d2534ff3c1106f" ns2:_="">
     <xsd:import namespace="e6cba3a1-1013-472a-b3ba-ce16017401c5"/>
@@ -17603,12 +17617,6 @@
 </ct:contentTypeSchema>
 </file>
 
-<file path=customXml/item3.xml><?xml version="1.0" encoding="utf-8"?>
-<p:properties xmlns:p="http://schemas.microsoft.com/office/2006/metadata/properties" xmlns:xsi="http://www.w3.org/2001/XMLSchema-instance" xmlns:pc="http://schemas.microsoft.com/office/infopath/2007/PartnerControls">
-  <documentManagement/>
-</p:properties>
-</file>
-
 <file path=customXml/itemProps1.xml><?xml version="1.0" encoding="utf-8"?>
 <ds:datastoreItem xmlns:ds="http://schemas.openxmlformats.org/officeDocument/2006/customXml" ds:itemID="{0CE3AEFE-1C34-44CA-B70B-BE67A40DE8C4}">
   <ds:schemaRefs>
@@ -17618,6 +17626,22 @@
 </file>
 
 <file path=customXml/itemProps2.xml><?xml version="1.0" encoding="utf-8"?>
+<ds:datastoreItem xmlns:ds="http://schemas.openxmlformats.org/officeDocument/2006/customXml" ds:itemID="{B2705A7F-6DFC-4B35-AFD3-DB524E283762}">
+  <ds:schemaRefs>
+    <ds:schemaRef ds:uri="http://schemas.microsoft.com/office/2006/metadata/properties"/>
+    <ds:schemaRef ds:uri="http://schemas.microsoft.com/office/2006/documentManagement/types"/>
+    <ds:schemaRef ds:uri="e6cba3a1-1013-472a-b3ba-ce16017401c5"/>
+    <ds:schemaRef ds:uri="http://purl.org/dc/elements/1.1/"/>
+    <ds:schemaRef ds:uri="http://schemas.microsoft.com/office/infopath/2007/PartnerControls"/>
+    <ds:schemaRef ds:uri="http://www.w3.org/XML/1998/namespace"/>
+    <ds:schemaRef ds:uri="http://purl.org/dc/terms/"/>
+    <ds:schemaRef ds:uri="http://purl.org/dc/dcmitype/"/>
+    <ds:schemaRef ds:uri="http://schemas.openxmlformats.org/package/2006/metadata/core-properties"/>
+  </ds:schemaRefs>
+</ds:datastoreItem>
+</file>
+
+<file path=customXml/itemProps3.xml><?xml version="1.0" encoding="utf-8"?>
 <ds:datastoreItem xmlns:ds="http://schemas.openxmlformats.org/officeDocument/2006/customXml" ds:itemID="{341FA3DD-A973-45F0-B699-FDE12A4E6336}">
   <ds:schemaRefs>
     <ds:schemaRef ds:uri="http://schemas.microsoft.com/office/2006/metadata/contentType"/>
@@ -17633,20 +17657,4 @@
     <ds:schemaRef ds:uri="http://schemas.microsoft.com/internal/obd"/>
   </ds:schemaRefs>
 </ds:datastoreItem>
-</file>
-
-<file path=customXml/itemProps3.xml><?xml version="1.0" encoding="utf-8"?>
-<ds:datastoreItem xmlns:ds="http://schemas.openxmlformats.org/officeDocument/2006/customXml" ds:itemID="{B2705A7F-6DFC-4B35-AFD3-DB524E283762}">
-  <ds:schemaRefs>
-    <ds:schemaRef ds:uri="http://schemas.microsoft.com/office/2006/metadata/properties"/>
-    <ds:schemaRef ds:uri="http://schemas.microsoft.com/office/2006/documentManagement/types"/>
-    <ds:schemaRef ds:uri="e6cba3a1-1013-472a-b3ba-ce16017401c5"/>
-    <ds:schemaRef ds:uri="http://purl.org/dc/elements/1.1/"/>
-    <ds:schemaRef ds:uri="http://schemas.microsoft.com/office/infopath/2007/PartnerControls"/>
-    <ds:schemaRef ds:uri="http://www.w3.org/XML/1998/namespace"/>
-    <ds:schemaRef ds:uri="http://purl.org/dc/terms/"/>
-    <ds:schemaRef ds:uri="http://purl.org/dc/dcmitype/"/>
-    <ds:schemaRef ds:uri="http://schemas.openxmlformats.org/package/2006/metadata/core-properties"/>
-  </ds:schemaRefs>
-</ds:datastoreItem>
 </file>